--- a/ASMU432/ppts/Early1970sGoodBadUgly.pptx
+++ b/ASMU432/ppts/Early1970sGoodBadUgly.pptx
@@ -215,7 +215,7 @@
           <a:p>
             <a:fld id="{56275479-FADF-41D7-8573-0C393984AE94}" type="datetimeFigureOut">
               <a:rPr lang="en-US" smtClean="0"/>
-              <a:t>3/12/18</a:t>
+              <a:t>12/3/2018</a:t>
             </a:fld>
             <a:endParaRPr lang="en-US"/>
           </a:p>
@@ -910,7 +910,7 @@
             <a:fld id="{87DE6118-2437-4B30-8E3C-4D2BE6020583}" type="datetimeFigureOut">
               <a:rPr lang="en-US" dirty="0"/>
               <a:pPr/>
-              <a:t>3/12/18</a:t>
+              <a:t>12/3/2018</a:t>
             </a:fld>
             <a:endParaRPr lang="en-US" dirty="0"/>
           </a:p>
@@ -1236,7 +1236,7 @@
           <a:p>
             <a:fld id="{87DE6118-2437-4B30-8E3C-4D2BE6020583}" type="datetimeFigureOut">
               <a:rPr lang="en-US" dirty="0"/>
-              <a:t>3/12/18</a:t>
+              <a:t>12/3/2018</a:t>
             </a:fld>
             <a:endParaRPr lang="en-US" dirty="0"/>
           </a:p>
@@ -1411,7 +1411,7 @@
           <a:p>
             <a:fld id="{87DE6118-2437-4B30-8E3C-4D2BE6020583}" type="datetimeFigureOut">
               <a:rPr lang="en-US" dirty="0"/>
-              <a:t>3/12/18</a:t>
+              <a:t>12/3/2018</a:t>
             </a:fld>
             <a:endParaRPr lang="en-US" dirty="0"/>
           </a:p>
@@ -1576,7 +1576,7 @@
           <a:p>
             <a:fld id="{87DE6118-2437-4B30-8E3C-4D2BE6020583}" type="datetimeFigureOut">
               <a:rPr lang="en-US" dirty="0"/>
-              <a:t>3/12/18</a:t>
+              <a:t>12/3/2018</a:t>
             </a:fld>
             <a:endParaRPr lang="en-US" dirty="0"/>
           </a:p>
@@ -1849,7 +1849,7 @@
             <a:fld id="{87DE6118-2437-4B30-8E3C-4D2BE6020583}" type="datetimeFigureOut">
               <a:rPr lang="en-US" dirty="0"/>
               <a:pPr/>
-              <a:t>3/12/18</a:t>
+              <a:t>12/3/2018</a:t>
             </a:fld>
             <a:endParaRPr lang="en-US" dirty="0"/>
           </a:p>
@@ -2239,7 +2239,7 @@
           <a:p>
             <a:fld id="{87DE6118-2437-4B30-8E3C-4D2BE6020583}" type="datetimeFigureOut">
               <a:rPr lang="en-US" dirty="0"/>
-              <a:t>3/12/18</a:t>
+              <a:t>12/3/2018</a:t>
             </a:fld>
             <a:endParaRPr lang="en-US" dirty="0"/>
           </a:p>
@@ -2711,7 +2711,7 @@
           <a:p>
             <a:fld id="{87DE6118-2437-4B30-8E3C-4D2BE6020583}" type="datetimeFigureOut">
               <a:rPr lang="en-US" dirty="0"/>
-              <a:t>3/12/18</a:t>
+              <a:t>12/3/2018</a:t>
             </a:fld>
             <a:endParaRPr lang="en-US" dirty="0"/>
           </a:p>
@@ -2824,7 +2824,7 @@
           <a:p>
             <a:fld id="{87DE6118-2437-4B30-8E3C-4D2BE6020583}" type="datetimeFigureOut">
               <a:rPr lang="en-US" dirty="0"/>
-              <a:t>3/12/18</a:t>
+              <a:t>12/3/2018</a:t>
             </a:fld>
             <a:endParaRPr lang="en-US" dirty="0"/>
           </a:p>
@@ -2914,7 +2914,7 @@
           <a:p>
             <a:fld id="{87DE6118-2437-4B30-8E3C-4D2BE6020583}" type="datetimeFigureOut">
               <a:rPr lang="en-US" dirty="0"/>
-              <a:t>3/12/18</a:t>
+              <a:t>12/3/2018</a:t>
             </a:fld>
             <a:endParaRPr lang="en-US" dirty="0"/>
           </a:p>
@@ -3256,7 +3256,7 @@
             <a:fld id="{87DE6118-2437-4B30-8E3C-4D2BE6020583}" type="datetimeFigureOut">
               <a:rPr lang="en-US" dirty="0"/>
               <a:pPr/>
-              <a:t>3/12/18</a:t>
+              <a:t>12/3/2018</a:t>
             </a:fld>
             <a:endParaRPr lang="en-US" dirty="0"/>
           </a:p>
@@ -3641,7 +3641,7 @@
             <a:fld id="{87DE6118-2437-4B30-8E3C-4D2BE6020583}" type="datetimeFigureOut">
               <a:rPr lang="en-US" dirty="0"/>
               <a:pPr/>
-              <a:t>3/12/18</a:t>
+              <a:t>12/3/2018</a:t>
             </a:fld>
             <a:endParaRPr lang="en-US" dirty="0"/>
           </a:p>
@@ -3916,7 +3916,7 @@
             <a:fld id="{87DE6118-2437-4B30-8E3C-4D2BE6020583}" type="datetimeFigureOut">
               <a:rPr lang="en-US" dirty="0"/>
               <a:pPr/>
-              <a:t>3/12/18</a:t>
+              <a:t>12/3/2018</a:t>
             </a:fld>
             <a:endParaRPr lang="en-US" dirty="0"/>
           </a:p>

--- a/ASMU432/ppts/Early1970sGoodBadUgly.pptx
+++ b/ASMU432/ppts/Early1970sGoodBadUgly.pptx
@@ -133,6 +133,111 @@
 </p:presentation>
 </file>
 
+<file path=ppt/revisionInfo.xml><?xml version="1.0" encoding="utf-8"?>
+<p1510:revInfo xmlns:a="http://schemas.openxmlformats.org/drawingml/2006/main" xmlns:r="http://schemas.openxmlformats.org/officeDocument/2006/relationships" xmlns:p1510="http://schemas.microsoft.com/office/powerpoint/2015/10/main">
+  <p1510:revLst>
+    <p1510:client id="{94375460-8CC9-4875-893F-4061B27B8B9D}" v="2" dt="2019-10-30T03:23:01.357"/>
+  </p1510:revLst>
+</p1510:revInfo>
+</file>
+
+<file path=ppt/changesInfos/changesInfo1.xml><?xml version="1.0" encoding="utf-8"?>
+<pc:chgInfo xmlns:a="http://schemas.openxmlformats.org/drawingml/2006/main" xmlns:r="http://schemas.openxmlformats.org/officeDocument/2006/relationships" xmlns:ac="http://schemas.microsoft.com/office/drawing/2013/main/command" xmlns:pc="http://schemas.microsoft.com/office/powerpoint/2013/main/command">
+  <pc:docChgLst>
+    <pc:chgData name="Mark Baker" userId="7debe814d9197520" providerId="LiveId" clId="{94375460-8CC9-4875-893F-4061B27B8B9D}"/>
+    <pc:docChg chg="custSel modSld">
+      <pc:chgData name="Mark Baker" userId="7debe814d9197520" providerId="LiveId" clId="{94375460-8CC9-4875-893F-4061B27B8B9D}" dt="2019-11-05T00:03:47.245" v="47" actId="20577"/>
+      <pc:docMkLst>
+        <pc:docMk/>
+      </pc:docMkLst>
+      <pc:sldChg chg="modSp">
+        <pc:chgData name="Mark Baker" userId="7debe814d9197520" providerId="LiveId" clId="{94375460-8CC9-4875-893F-4061B27B8B9D}" dt="2019-10-30T02:46:56.723" v="26" actId="20577"/>
+        <pc:sldMkLst>
+          <pc:docMk/>
+          <pc:sldMk cId="338179568" sldId="257"/>
+        </pc:sldMkLst>
+        <pc:spChg chg="mod">
+          <ac:chgData name="Mark Baker" userId="7debe814d9197520" providerId="LiveId" clId="{94375460-8CC9-4875-893F-4061B27B8B9D}" dt="2019-10-30T02:46:56.723" v="26" actId="20577"/>
+          <ac:spMkLst>
+            <pc:docMk/>
+            <pc:sldMk cId="338179568" sldId="257"/>
+            <ac:spMk id="3" creationId="{00000000-0000-0000-0000-000000000000}"/>
+          </ac:spMkLst>
+        </pc:spChg>
+      </pc:sldChg>
+      <pc:sldChg chg="modSp">
+        <pc:chgData name="Mark Baker" userId="7debe814d9197520" providerId="LiveId" clId="{94375460-8CC9-4875-893F-4061B27B8B9D}" dt="2019-10-30T03:23:01.356" v="31"/>
+        <pc:sldMkLst>
+          <pc:docMk/>
+          <pc:sldMk cId="2224189826" sldId="258"/>
+        </pc:sldMkLst>
+        <pc:spChg chg="mod">
+          <ac:chgData name="Mark Baker" userId="7debe814d9197520" providerId="LiveId" clId="{94375460-8CC9-4875-893F-4061B27B8B9D}" dt="2019-10-30T03:23:01.356" v="31"/>
+          <ac:spMkLst>
+            <pc:docMk/>
+            <pc:sldMk cId="2224189826" sldId="258"/>
+            <ac:spMk id="3" creationId="{00000000-0000-0000-0000-000000000000}"/>
+          </ac:spMkLst>
+        </pc:spChg>
+      </pc:sldChg>
+      <pc:sldChg chg="modSp">
+        <pc:chgData name="Mark Baker" userId="7debe814d9197520" providerId="LiveId" clId="{94375460-8CC9-4875-893F-4061B27B8B9D}" dt="2019-11-05T00:03:47.245" v="47" actId="20577"/>
+        <pc:sldMkLst>
+          <pc:docMk/>
+          <pc:sldMk cId="3093212768" sldId="263"/>
+        </pc:sldMkLst>
+        <pc:spChg chg="mod">
+          <ac:chgData name="Mark Baker" userId="7debe814d9197520" providerId="LiveId" clId="{94375460-8CC9-4875-893F-4061B27B8B9D}" dt="2019-11-05T00:03:25.720" v="44" actId="1076"/>
+          <ac:spMkLst>
+            <pc:docMk/>
+            <pc:sldMk cId="3093212768" sldId="263"/>
+            <ac:spMk id="2" creationId="{00000000-0000-0000-0000-000000000000}"/>
+          </ac:spMkLst>
+        </pc:spChg>
+        <pc:spChg chg="mod">
+          <ac:chgData name="Mark Baker" userId="7debe814d9197520" providerId="LiveId" clId="{94375460-8CC9-4875-893F-4061B27B8B9D}" dt="2019-11-05T00:03:47.245" v="47" actId="20577"/>
+          <ac:spMkLst>
+            <pc:docMk/>
+            <pc:sldMk cId="3093212768" sldId="263"/>
+            <ac:spMk id="3" creationId="{00000000-0000-0000-0000-000000000000}"/>
+          </ac:spMkLst>
+        </pc:spChg>
+      </pc:sldChg>
+      <pc:sldChg chg="modSp">
+        <pc:chgData name="Mark Baker" userId="7debe814d9197520" providerId="LiveId" clId="{94375460-8CC9-4875-893F-4061B27B8B9D}" dt="2019-10-30T02:57:40.097" v="30" actId="27636"/>
+        <pc:sldMkLst>
+          <pc:docMk/>
+          <pc:sldMk cId="105400295" sldId="271"/>
+        </pc:sldMkLst>
+        <pc:spChg chg="mod">
+          <ac:chgData name="Mark Baker" userId="7debe814d9197520" providerId="LiveId" clId="{94375460-8CC9-4875-893F-4061B27B8B9D}" dt="2019-10-30T02:57:40.097" v="30" actId="27636"/>
+          <ac:spMkLst>
+            <pc:docMk/>
+            <pc:sldMk cId="105400295" sldId="271"/>
+            <ac:spMk id="3" creationId="{00000000-0000-0000-0000-000000000000}"/>
+          </ac:spMkLst>
+        </pc:spChg>
+      </pc:sldChg>
+      <pc:sldChg chg="modSp">
+        <pc:chgData name="Mark Baker" userId="7debe814d9197520" providerId="LiveId" clId="{94375460-8CC9-4875-893F-4061B27B8B9D}" dt="2019-10-28T04:27:06.602" v="24" actId="20577"/>
+        <pc:sldMkLst>
+          <pc:docMk/>
+          <pc:sldMk cId="3503812209" sldId="272"/>
+        </pc:sldMkLst>
+        <pc:spChg chg="mod">
+          <ac:chgData name="Mark Baker" userId="7debe814d9197520" providerId="LiveId" clId="{94375460-8CC9-4875-893F-4061B27B8B9D}" dt="2019-10-28T04:27:06.602" v="24" actId="20577"/>
+          <ac:spMkLst>
+            <pc:docMk/>
+            <pc:sldMk cId="3503812209" sldId="272"/>
+            <ac:spMk id="10" creationId="{7940EE26-1B0E-4C29-993C-7FE77E091E92}"/>
+          </ac:spMkLst>
+        </pc:spChg>
+      </pc:sldChg>
+    </pc:docChg>
+  </pc:docChgLst>
+</pc:chgInfo>
+</file>
+
 <file path=ppt/notesMasters/notesMaster1.xml><?xml version="1.0" encoding="utf-8"?>
 <p:notesMaster xmlns:a="http://schemas.openxmlformats.org/drawingml/2006/main" xmlns:r="http://schemas.openxmlformats.org/officeDocument/2006/relationships" xmlns:p="http://schemas.openxmlformats.org/presentationml/2006/main">
   <p:cSld>
@@ -215,7 +320,7 @@
           <a:p>
             <a:fld id="{56275479-FADF-41D7-8573-0C393984AE94}" type="datetimeFigureOut">
               <a:rPr lang="en-US" smtClean="0"/>
-              <a:t>12/3/2018</a:t>
+              <a:t>11/4/2019</a:t>
             </a:fld>
             <a:endParaRPr lang="en-US"/>
           </a:p>
@@ -910,7 +1015,7 @@
             <a:fld id="{87DE6118-2437-4B30-8E3C-4D2BE6020583}" type="datetimeFigureOut">
               <a:rPr lang="en-US" dirty="0"/>
               <a:pPr/>
-              <a:t>12/3/2018</a:t>
+              <a:t>11/4/2019</a:t>
             </a:fld>
             <a:endParaRPr lang="en-US" dirty="0"/>
           </a:p>
@@ -1236,7 +1341,7 @@
           <a:p>
             <a:fld id="{87DE6118-2437-4B30-8E3C-4D2BE6020583}" type="datetimeFigureOut">
               <a:rPr lang="en-US" dirty="0"/>
-              <a:t>12/3/2018</a:t>
+              <a:t>11/4/2019</a:t>
             </a:fld>
             <a:endParaRPr lang="en-US" dirty="0"/>
           </a:p>
@@ -1411,7 +1516,7 @@
           <a:p>
             <a:fld id="{87DE6118-2437-4B30-8E3C-4D2BE6020583}" type="datetimeFigureOut">
               <a:rPr lang="en-US" dirty="0"/>
-              <a:t>12/3/2018</a:t>
+              <a:t>11/4/2019</a:t>
             </a:fld>
             <a:endParaRPr lang="en-US" dirty="0"/>
           </a:p>
@@ -1576,7 +1681,7 @@
           <a:p>
             <a:fld id="{87DE6118-2437-4B30-8E3C-4D2BE6020583}" type="datetimeFigureOut">
               <a:rPr lang="en-US" dirty="0"/>
-              <a:t>12/3/2018</a:t>
+              <a:t>11/4/2019</a:t>
             </a:fld>
             <a:endParaRPr lang="en-US" dirty="0"/>
           </a:p>
@@ -1849,7 +1954,7 @@
             <a:fld id="{87DE6118-2437-4B30-8E3C-4D2BE6020583}" type="datetimeFigureOut">
               <a:rPr lang="en-US" dirty="0"/>
               <a:pPr/>
-              <a:t>12/3/2018</a:t>
+              <a:t>11/4/2019</a:t>
             </a:fld>
             <a:endParaRPr lang="en-US" dirty="0"/>
           </a:p>
@@ -2239,7 +2344,7 @@
           <a:p>
             <a:fld id="{87DE6118-2437-4B30-8E3C-4D2BE6020583}" type="datetimeFigureOut">
               <a:rPr lang="en-US" dirty="0"/>
-              <a:t>12/3/2018</a:t>
+              <a:t>11/4/2019</a:t>
             </a:fld>
             <a:endParaRPr lang="en-US" dirty="0"/>
           </a:p>
@@ -2711,7 +2816,7 @@
           <a:p>
             <a:fld id="{87DE6118-2437-4B30-8E3C-4D2BE6020583}" type="datetimeFigureOut">
               <a:rPr lang="en-US" dirty="0"/>
-              <a:t>12/3/2018</a:t>
+              <a:t>11/4/2019</a:t>
             </a:fld>
             <a:endParaRPr lang="en-US" dirty="0"/>
           </a:p>
@@ -2824,7 +2929,7 @@
           <a:p>
             <a:fld id="{87DE6118-2437-4B30-8E3C-4D2BE6020583}" type="datetimeFigureOut">
               <a:rPr lang="en-US" dirty="0"/>
-              <a:t>12/3/2018</a:t>
+              <a:t>11/4/2019</a:t>
             </a:fld>
             <a:endParaRPr lang="en-US" dirty="0"/>
           </a:p>
@@ -2914,7 +3019,7 @@
           <a:p>
             <a:fld id="{87DE6118-2437-4B30-8E3C-4D2BE6020583}" type="datetimeFigureOut">
               <a:rPr lang="en-US" dirty="0"/>
-              <a:t>12/3/2018</a:t>
+              <a:t>11/4/2019</a:t>
             </a:fld>
             <a:endParaRPr lang="en-US" dirty="0"/>
           </a:p>
@@ -3256,7 +3361,7 @@
             <a:fld id="{87DE6118-2437-4B30-8E3C-4D2BE6020583}" type="datetimeFigureOut">
               <a:rPr lang="en-US" dirty="0"/>
               <a:pPr/>
-              <a:t>12/3/2018</a:t>
+              <a:t>11/4/2019</a:t>
             </a:fld>
             <a:endParaRPr lang="en-US" dirty="0"/>
           </a:p>
@@ -3641,7 +3746,7 @@
             <a:fld id="{87DE6118-2437-4B30-8E3C-4D2BE6020583}" type="datetimeFigureOut">
               <a:rPr lang="en-US" dirty="0"/>
               <a:pPr/>
-              <a:t>12/3/2018</a:t>
+              <a:t>11/4/2019</a:t>
             </a:fld>
             <a:endParaRPr lang="en-US" dirty="0"/>
           </a:p>
@@ -3916,7 +4021,7 @@
             <a:fld id="{87DE6118-2437-4B30-8E3C-4D2BE6020583}" type="datetimeFigureOut">
               <a:rPr lang="en-US" dirty="0"/>
               <a:pPr/>
-              <a:t>12/3/2018</a:t>
+              <a:t>11/4/2019</a:t>
             </a:fld>
             <a:endParaRPr lang="en-US" dirty="0"/>
           </a:p>
@@ -4358,7 +4463,7 @@
       </a:lvl9pPr>
     </p:otherStyle>
   </p:txStyles>
-  <p:extLst mod="1">
+  <p:extLst>
     <p:ext uri="{27BBF7A9-308A-43DC-89C8-2F10F3537804}">
       <p15:sldGuideLst xmlns:p15="http://schemas.microsoft.com/office/powerpoint/2012/main">
         <p15:guide id="3" orient="horz" pos="1368">
@@ -4672,7 +4777,12 @@
             <p:ph type="title"/>
           </p:nvPr>
         </p:nvSpPr>
-        <p:spPr/>
+        <p:spPr>
+          <a:xfrm>
+            <a:off x="1126503" y="412423"/>
+            <a:ext cx="9601200" cy="1485900"/>
+          </a:xfrm>
+        </p:spPr>
         <p:txBody>
           <a:bodyPr>
             <a:normAutofit fontScale="90000"/>
@@ -4691,7 +4801,7 @@
             </a:br>
             <a:r>
               <a:rPr lang="en-US" dirty="0"/>
-              <a:t>(David Robert Jones, b. 1947)</a:t>
+              <a:t>(David Robert Jones, 1947-2016)</a:t>
             </a:r>
           </a:p>
         </p:txBody>
@@ -4706,7 +4816,12 @@
             <p:ph idx="1"/>
           </p:nvPr>
         </p:nvSpPr>
-        <p:spPr/>
+        <p:spPr>
+          <a:xfrm>
+            <a:off x="1371600" y="2748505"/>
+            <a:ext cx="9601200" cy="3823354"/>
+          </a:xfrm>
+        </p:spPr>
         <p:txBody>
           <a:bodyPr/>
           <a:lstStyle/>
@@ -4770,14 +4885,14 @@
               <a:rPr lang="en-US" dirty="0">
                 <a:hlinkClick r:id="rId3"/>
               </a:rPr>
-              <a:t>https://www.youtube.com/watch?v=iYYRH4apXDo</a:t>
-            </a:r>
-            <a:endParaRPr lang="en-US" dirty="0"/>
-          </a:p>
-          <a:p>
-            <a:pPr marL="0" indent="0">
-              <a:buNone/>
-            </a:pPr>
+              <a:t>https://www.youtube.com/watch?v</a:t>
+            </a:r>
+            <a:r>
+              <a:rPr lang="en-US">
+                <a:hlinkClick r:id="rId3"/>
+              </a:rPr>
+              <a:t>=iYYRH4apXDo</a:t>
+            </a:r>
             <a:endParaRPr lang="en-US" dirty="0"/>
           </a:p>
           <a:p>
@@ -11301,7 +11416,7 @@
           <a:p>
             <a:r>
               <a:rPr lang="en-US" dirty="0"/>
-              <a:t>No real heroes, money as the goal</a:t>
+              <a:t>No real heroes; money as the goal</a:t>
             </a:r>
           </a:p>
           <a:p>
@@ -11647,7 +11762,7 @@
           <a:p>
             <a:r>
               <a:rPr lang="en-US" dirty="0"/>
-              <a:t>Based in Winnipeg, but toured a lot.</a:t>
+              <a:t>Based in Winnipeg, but they toured a lot locally.</a:t>
             </a:r>
           </a:p>
           <a:p>
@@ -12340,12 +12455,12 @@
           </a:p>
           <a:p>
             <a:r>
-              <a:rPr lang="en-US" dirty="0">
+              <a:rPr lang="en-CA" dirty="0">
                 <a:hlinkClick r:id="rId2"/>
               </a:rPr>
-              <a:t>https://www.youtube.com/watch?v=g2UBQX7fwBQ</a:t>
-            </a:r>
-            <a:endParaRPr lang="en-US" dirty="0"/>
+              <a:t>https://www.youtube.com/watch?v=UxdqEjocEQQ</a:t>
+            </a:r>
+            <a:endParaRPr lang="en-CA" dirty="0"/>
           </a:p>
           <a:p>
             <a:r>
@@ -12535,14 +12650,11 @@
               <a:t>“People are strange” (Sept. 1967): </a:t>
             </a:r>
             <a:r>
-              <a:rPr lang="en-US" dirty="0">
+              <a:rPr lang="en-CA" dirty="0">
                 <a:hlinkClick r:id="rId2"/>
               </a:rPr>
-              <a:t>https://www.youtube.com/watch?v=ZRAr354usf8</a:t>
-            </a:r>
-            <a:endParaRPr lang="en-US" dirty="0"/>
-          </a:p>
-          <a:p>
+              <a:t>https://www.youtube.com/watch?v=sezc05A4s2g </a:t>
+            </a:r>
             <a:r>
               <a:rPr lang="en-US" dirty="0"/>
               <a:t>“Hello, I love you” (1968): </a:t>
